--- a/learn-pr/azure/protect-infrastructure-with-site-recovery/media/diagrams.pptx
+++ b/learn-pr/azure/protect-infrastructure-with-site-recovery/media/diagrams.pptx
@@ -104,6 +104,11 @@
       </a:defRPr>
     </a:lvl9pPr>
   </p:defaultTextStyle>
+  <p:extLst>
+    <p:ext uri="{EFAFB233-063F-42B5-8137-9DF3F51BA10A}">
+      <p15:sldGuideLst xmlns:p15="http://schemas.microsoft.com/office/powerpoint/2012/main"/>
+    </p:ext>
+  </p:extLst>
 </p:presentation>
 </file>
 
@@ -256,7 +261,7 @@
           <a:p>
             <a:fld id="{4923B128-8C30-4C1E-A4AB-988423F2D759}" type="datetimeFigureOut">
               <a:rPr lang="en-GB" smtClean="0"/>
-              <a:t>16/07/2019</a:t>
+              <a:t>21/08/2019</a:t>
             </a:fld>
             <a:endParaRPr lang="en-GB"/>
           </a:p>
@@ -456,7 +461,7 @@
           <a:p>
             <a:fld id="{4923B128-8C30-4C1E-A4AB-988423F2D759}" type="datetimeFigureOut">
               <a:rPr lang="en-GB" smtClean="0"/>
-              <a:t>16/07/2019</a:t>
+              <a:t>21/08/2019</a:t>
             </a:fld>
             <a:endParaRPr lang="en-GB"/>
           </a:p>
@@ -666,7 +671,7 @@
           <a:p>
             <a:fld id="{4923B128-8C30-4C1E-A4AB-988423F2D759}" type="datetimeFigureOut">
               <a:rPr lang="en-GB" smtClean="0"/>
-              <a:t>16/07/2019</a:t>
+              <a:t>21/08/2019</a:t>
             </a:fld>
             <a:endParaRPr lang="en-GB"/>
           </a:p>
@@ -866,7 +871,7 @@
           <a:p>
             <a:fld id="{4923B128-8C30-4C1E-A4AB-988423F2D759}" type="datetimeFigureOut">
               <a:rPr lang="en-GB" smtClean="0"/>
-              <a:t>16/07/2019</a:t>
+              <a:t>21/08/2019</a:t>
             </a:fld>
             <a:endParaRPr lang="en-GB"/>
           </a:p>
@@ -1142,7 +1147,7 @@
           <a:p>
             <a:fld id="{4923B128-8C30-4C1E-A4AB-988423F2D759}" type="datetimeFigureOut">
               <a:rPr lang="en-GB" smtClean="0"/>
-              <a:t>16/07/2019</a:t>
+              <a:t>21/08/2019</a:t>
             </a:fld>
             <a:endParaRPr lang="en-GB"/>
           </a:p>
@@ -1410,7 +1415,7 @@
           <a:p>
             <a:fld id="{4923B128-8C30-4C1E-A4AB-988423F2D759}" type="datetimeFigureOut">
               <a:rPr lang="en-GB" smtClean="0"/>
-              <a:t>16/07/2019</a:t>
+              <a:t>21/08/2019</a:t>
             </a:fld>
             <a:endParaRPr lang="en-GB"/>
           </a:p>
@@ -1825,7 +1830,7 @@
           <a:p>
             <a:fld id="{4923B128-8C30-4C1E-A4AB-988423F2D759}" type="datetimeFigureOut">
               <a:rPr lang="en-GB" smtClean="0"/>
-              <a:t>16/07/2019</a:t>
+              <a:t>21/08/2019</a:t>
             </a:fld>
             <a:endParaRPr lang="en-GB"/>
           </a:p>
@@ -1967,7 +1972,7 @@
           <a:p>
             <a:fld id="{4923B128-8C30-4C1E-A4AB-988423F2D759}" type="datetimeFigureOut">
               <a:rPr lang="en-GB" smtClean="0"/>
-              <a:t>16/07/2019</a:t>
+              <a:t>21/08/2019</a:t>
             </a:fld>
             <a:endParaRPr lang="en-GB"/>
           </a:p>
@@ -2080,7 +2085,7 @@
           <a:p>
             <a:fld id="{4923B128-8C30-4C1E-A4AB-988423F2D759}" type="datetimeFigureOut">
               <a:rPr lang="en-GB" smtClean="0"/>
-              <a:t>16/07/2019</a:t>
+              <a:t>21/08/2019</a:t>
             </a:fld>
             <a:endParaRPr lang="en-GB"/>
           </a:p>
@@ -2393,7 +2398,7 @@
           <a:p>
             <a:fld id="{4923B128-8C30-4C1E-A4AB-988423F2D759}" type="datetimeFigureOut">
               <a:rPr lang="en-GB" smtClean="0"/>
-              <a:t>16/07/2019</a:t>
+              <a:t>21/08/2019</a:t>
             </a:fld>
             <a:endParaRPr lang="en-GB"/>
           </a:p>
@@ -2682,7 +2687,7 @@
           <a:p>
             <a:fld id="{4923B128-8C30-4C1E-A4AB-988423F2D759}" type="datetimeFigureOut">
               <a:rPr lang="en-GB" smtClean="0"/>
-              <a:t>16/07/2019</a:t>
+              <a:t>21/08/2019</a:t>
             </a:fld>
             <a:endParaRPr lang="en-GB"/>
           </a:p>
@@ -2925,7 +2930,7 @@
           <a:p>
             <a:fld id="{4923B128-8C30-4C1E-A4AB-988423F2D759}" type="datetimeFigureOut">
               <a:rPr lang="en-GB" smtClean="0"/>
-              <a:t>16/07/2019</a:t>
+              <a:t>21/08/2019</a:t>
             </a:fld>
             <a:endParaRPr lang="en-GB"/>
           </a:p>
@@ -3344,10 +3349,10 @@
       </p:grpSpPr>
       <p:grpSp>
         <p:nvGrpSpPr>
-          <p:cNvPr id="16" name="Group 15">
-            <a:extLst>
-              <a:ext uri="{FF2B5EF4-FFF2-40B4-BE49-F238E27FC236}">
-                <a16:creationId xmlns:a16="http://schemas.microsoft.com/office/drawing/2014/main" id="{025C6A77-2066-4BB8-8DB6-263E99DD6366}"/>
+          <p:cNvPr id="10" name="Group 9">
+            <a:extLst>
+              <a:ext uri="{FF2B5EF4-FFF2-40B4-BE49-F238E27FC236}">
+                <a16:creationId xmlns:a16="http://schemas.microsoft.com/office/drawing/2014/main" id="{E323817A-D9E1-42BD-8C4F-08E190139927}"/>
               </a:ext>
             </a:extLst>
           </p:cNvPr>
@@ -3356,18 +3361,70 @@
         </p:nvGrpSpPr>
         <p:grpSpPr>
           <a:xfrm>
-            <a:off x="2719493" y="1476587"/>
-            <a:ext cx="8270240" cy="3478106"/>
-            <a:chOff x="2719493" y="1476587"/>
-            <a:chExt cx="8270240" cy="3478106"/>
+            <a:off x="1715589" y="1402080"/>
+            <a:ext cx="9274144" cy="3552613"/>
+            <a:chOff x="1715589" y="1402080"/>
+            <a:chExt cx="9274144" cy="3552613"/>
           </a:xfrm>
         </p:grpSpPr>
+        <p:sp>
+          <p:nvSpPr>
+            <p:cNvPr id="7" name="Rectangle 6">
+              <a:extLst>
+                <a:ext uri="{FF2B5EF4-FFF2-40B4-BE49-F238E27FC236}">
+                  <a16:creationId xmlns:a16="http://schemas.microsoft.com/office/drawing/2014/main" id="{84E558D2-A359-4D11-802B-7EA1A82FDCD8}"/>
+                </a:ext>
+              </a:extLst>
+            </p:cNvPr>
+            <p:cNvSpPr/>
+            <p:nvPr/>
+          </p:nvSpPr>
+          <p:spPr>
+            <a:xfrm>
+              <a:off x="1715589" y="1402080"/>
+              <a:ext cx="8943702" cy="3552613"/>
+            </a:xfrm>
+            <a:prstGeom prst="rect">
+              <a:avLst/>
+            </a:prstGeom>
+            <a:solidFill>
+              <a:schemeClr val="bg1"/>
+            </a:solidFill>
+            <a:ln>
+              <a:noFill/>
+            </a:ln>
+          </p:spPr>
+          <p:style>
+            <a:lnRef idx="2">
+              <a:schemeClr val="accent1">
+                <a:shade val="50000"/>
+              </a:schemeClr>
+            </a:lnRef>
+            <a:fillRef idx="1">
+              <a:schemeClr val="accent1"/>
+            </a:fillRef>
+            <a:effectRef idx="0">
+              <a:schemeClr val="accent1"/>
+            </a:effectRef>
+            <a:fontRef idx="minor">
+              <a:schemeClr val="lt1"/>
+            </a:fontRef>
+          </p:style>
+          <p:txBody>
+            <a:bodyPr rtlCol="0" anchor="ctr"/>
+            <a:lstStyle/>
+            <a:p>
+              <a:pPr algn="ctr"/>
+              <a:endParaRPr lang="en-GB"/>
+            </a:p>
+          </p:txBody>
+        </p:sp>
         <p:pic>
           <p:nvPicPr>
-            <p:cNvPr id="5" name="Picture 4">
+            <p:cNvPr id="3" name="Picture 2" descr="A screenshot of a cell phone&#10;&#10;Description automatically generated">
               <a:extLst>
                 <a:ext uri="{FF2B5EF4-FFF2-40B4-BE49-F238E27FC236}">
-                  <a16:creationId xmlns:a16="http://schemas.microsoft.com/office/drawing/2014/main" id="{CD4D7D01-4BB0-47BB-A3CC-6B96BEC06A4A}"/>
+                  <a16:creationId xmlns:a16="http://schemas.microsoft.com/office/drawing/2014/main" id="{275180C2-F4E6-44F0-A072-071028116452}"/>
                 </a:ext>
               </a:extLst>
             </p:cNvPr>
@@ -3384,13 +3441,13 @@
                 </a:ext>
               </a:extLst>
             </a:blip>
-            <a:srcRect l="2556" t="2373" r="1679" b="4037"/>
+            <a:srcRect l="2120" t="5139" r="1942" b="3117"/>
             <a:stretch/>
           </p:blipFill>
           <p:spPr>
             <a:xfrm>
-              <a:off x="2997316" y="2554626"/>
-              <a:ext cx="5214703" cy="2065302"/>
+              <a:off x="2124891" y="2255520"/>
+              <a:ext cx="5966337" cy="2374053"/>
             </a:xfrm>
             <a:prstGeom prst="rect">
               <a:avLst/>
@@ -3411,7 +3468,7 @@
           </p:nvSpPr>
           <p:spPr>
             <a:xfrm>
-              <a:off x="5013800" y="2649687"/>
+              <a:off x="4511666" y="2541644"/>
               <a:ext cx="1181734" cy="461665"/>
             </a:xfrm>
             <a:prstGeom prst="rect">
@@ -3618,36 +3675,6 @@
             </a:p>
           </p:txBody>
         </p:sp>
-        <p:pic>
-          <p:nvPicPr>
-            <p:cNvPr id="14" name="Picture 13">
-              <a:extLst>
-                <a:ext uri="{FF2B5EF4-FFF2-40B4-BE49-F238E27FC236}">
-                  <a16:creationId xmlns:a16="http://schemas.microsoft.com/office/drawing/2014/main" id="{D7F6748B-7EC7-42BD-9D63-235DA1679231}"/>
-                </a:ext>
-              </a:extLst>
-            </p:cNvPr>
-            <p:cNvPicPr>
-              <a:picLocks noChangeAspect="1"/>
-            </p:cNvPicPr>
-            <p:nvPr/>
-          </p:nvPicPr>
-          <p:blipFill>
-            <a:blip r:embed="rId4"/>
-            <a:stretch>
-              <a:fillRect/>
-            </a:stretch>
-          </p:blipFill>
-          <p:spPr>
-            <a:xfrm>
-              <a:off x="9421157" y="3122591"/>
-              <a:ext cx="788310" cy="1075316"/>
-            </a:xfrm>
-            <a:prstGeom prst="rect">
-              <a:avLst/>
-            </a:prstGeom>
-          </p:spPr>
-        </p:pic>
         <p:sp>
           <p:nvSpPr>
             <p:cNvPr id="15" name="Rectangle: Rounded Corners 14">
@@ -3700,6 +3727,36 @@
             </a:p>
           </p:txBody>
         </p:sp>
+        <p:pic>
+          <p:nvPicPr>
+            <p:cNvPr id="4" name="Picture 3">
+              <a:extLst>
+                <a:ext uri="{FF2B5EF4-FFF2-40B4-BE49-F238E27FC236}">
+                  <a16:creationId xmlns:a16="http://schemas.microsoft.com/office/drawing/2014/main" id="{A6C0EF1A-DCE3-41C9-A2B6-C598CC410BA2}"/>
+                </a:ext>
+              </a:extLst>
+            </p:cNvPr>
+            <p:cNvPicPr>
+              <a:picLocks noChangeAspect="1"/>
+            </p:cNvPicPr>
+            <p:nvPr/>
+          </p:nvPicPr>
+          <p:blipFill>
+            <a:blip r:embed="rId4"/>
+            <a:stretch>
+              <a:fillRect/>
+            </a:stretch>
+          </p:blipFill>
+          <p:spPr>
+            <a:xfrm>
+              <a:off x="9317058" y="3086412"/>
+              <a:ext cx="996508" cy="1482201"/>
+            </a:xfrm>
+            <a:prstGeom prst="rect">
+              <a:avLst/>
+            </a:prstGeom>
+          </p:spPr>
+        </p:pic>
       </p:grpSp>
     </p:spTree>
     <p:extLst>
